--- a/doc/开题/开题_msj.pptx
+++ b/doc/开题/开题_msj.pptx
@@ -34769,14 +34769,14 @@
           <p:nvPr>
             <p:extLst>
               <p:ext uri="{D42A27DB-BD31-4B8C-83A1-F6EECF244321}">
-                <p14:modId xmlns:p14="http://schemas.microsoft.com/office/powerpoint/2010/main" val="2419329473"/>
+                <p14:modId xmlns:p14="http://schemas.microsoft.com/office/powerpoint/2010/main" val="160796529"/>
               </p:ext>
             </p:extLst>
           </p:nvPr>
         </p:nvGraphicFramePr>
         <p:xfrm>
           <a:off x="1422881" y="1366229"/>
-          <a:ext cx="9346238" cy="4125542"/>
+          <a:ext cx="9346238" cy="3851222"/>
         </p:xfrm>
         <a:graphic>
           <a:graphicData uri="http://schemas.openxmlformats.org/drawingml/2006/table">
@@ -34856,7 +34856,7 @@
                   </a:ext>
                 </a:extLst>
               </a:tr>
-              <a:tr h="560500">
+              <a:tr h="887201">
                 <a:tc>
                   <a:txBody>
                     <a:bodyPr/>
@@ -35225,7 +35225,7 @@
                           </a:solidFill>
                           <a:effectLst/>
                         </a:rPr>
-                        <a:t>在本地搭建私有的传统区块链，并基于实验室已有工作成果部署智能合约，了解树状区块链和传统区块链的区别</a:t>
+                        <a:t>在本地搭建私有的树状区块链，并基于实验室已有工作成果部署智能合约，</a:t>
                       </a:r>
                       <a:endParaRPr lang="zh-CN" altLang="en-US" sz="1800" kern="1200" dirty="0">
                         <a:solidFill>
